--- a/2021113178-胡柏瑞-Project第1轮检查.pptx
+++ b/2021113178-胡柏瑞-Project第1轮检查.pptx
@@ -8774,24 +8774,6 @@
               <a:t>轮需要改进的地方和措施</a:t>
             </a:r>
             <a:endParaRPr lang="zh-CN" altLang="en-US" sz="1800" i="1" u="sng" noProof="1"/>
-          </a:p>
-          <a:p>
-            <a:pPr indent="-228600" eaLnBrk="1" hangingPunct="1">
-              <a:defRPr/>
-            </a:pPr>
-            <a:r>
-              <a:rPr lang="zh-CN" altLang="en-US" sz="1400" dirty="0"/>
-              <a:t>前端框架：引入</a:t>
-            </a:r>
-            <a:r>
-              <a:rPr lang="en-US" altLang="zh-CN" sz="1400" dirty="0"/>
-              <a:t>Bootstrap</a:t>
-            </a:r>
-            <a:r>
-              <a:rPr lang="zh-CN" altLang="en-US" sz="1400" dirty="0"/>
-              <a:t>等前端框架，改善页面布局和样式，使界面更加美观和用户友好。</a:t>
-            </a:r>
-            <a:endParaRPr lang="en-US" altLang="zh-CN" sz="1400" dirty="0"/>
           </a:p>
           <a:p>
             <a:pPr indent="-228600" eaLnBrk="1" hangingPunct="1">
